--- a/material/Bootstrap_Introduction.pptx
+++ b/material/Bootstrap_Introduction.pptx
@@ -351,7 +351,7 @@
           <a:p>
             <a:fld id="{A08668CB-4C6D-4EA2-B143-2380C0553496}" type="datetimeFigureOut">
               <a:rPr lang="en-US" smtClean="0"/>
-              <a:t>2/17/2018</a:t>
+              <a:t>2/19/2018</a:t>
             </a:fld>
             <a:endParaRPr lang="en-US"/>
           </a:p>
@@ -685,7 +685,7 @@
           <a:p>
             <a:fld id="{A08668CB-4C6D-4EA2-B143-2380C0553496}" type="datetimeFigureOut">
               <a:rPr lang="en-US" smtClean="0"/>
-              <a:t>2/17/2018</a:t>
+              <a:t>2/19/2018</a:t>
             </a:fld>
             <a:endParaRPr lang="en-US"/>
           </a:p>
@@ -963,7 +963,7 @@
           <a:p>
             <a:fld id="{A08668CB-4C6D-4EA2-B143-2380C0553496}" type="datetimeFigureOut">
               <a:rPr lang="en-US" smtClean="0"/>
-              <a:t>2/17/2018</a:t>
+              <a:t>2/19/2018</a:t>
             </a:fld>
             <a:endParaRPr lang="en-US"/>
           </a:p>
@@ -1531,7 +1531,7 @@
           <a:p>
             <a:fld id="{A08668CB-4C6D-4EA2-B143-2380C0553496}" type="datetimeFigureOut">
               <a:rPr lang="en-US" smtClean="0"/>
-              <a:t>2/17/2018</a:t>
+              <a:t>2/19/2018</a:t>
             </a:fld>
             <a:endParaRPr lang="en-US"/>
           </a:p>
@@ -1809,7 +1809,7 @@
           <a:p>
             <a:fld id="{A08668CB-4C6D-4EA2-B143-2380C0553496}" type="datetimeFigureOut">
               <a:rPr lang="en-US" smtClean="0"/>
-              <a:t>2/17/2018</a:t>
+              <a:t>2/19/2018</a:t>
             </a:fld>
             <a:endParaRPr lang="en-US"/>
           </a:p>
@@ -2371,7 +2371,7 @@
           <a:p>
             <a:fld id="{A08668CB-4C6D-4EA2-B143-2380C0553496}" type="datetimeFigureOut">
               <a:rPr lang="en-US" smtClean="0"/>
-              <a:t>2/17/2018</a:t>
+              <a:t>2/19/2018</a:t>
             </a:fld>
             <a:endParaRPr lang="en-US"/>
           </a:p>
@@ -2698,7 +2698,7 @@
           <a:p>
             <a:fld id="{A08668CB-4C6D-4EA2-B143-2380C0553496}" type="datetimeFigureOut">
               <a:rPr lang="en-US" smtClean="0"/>
-              <a:t>2/17/2018</a:t>
+              <a:t>2/19/2018</a:t>
             </a:fld>
             <a:endParaRPr lang="en-US"/>
           </a:p>
@@ -2903,7 +2903,7 @@
           <a:p>
             <a:fld id="{A08668CB-4C6D-4EA2-B143-2380C0553496}" type="datetimeFigureOut">
               <a:rPr lang="en-US" smtClean="0"/>
-              <a:t>2/17/2018</a:t>
+              <a:t>2/19/2018</a:t>
             </a:fld>
             <a:endParaRPr lang="en-US"/>
           </a:p>
@@ -3113,7 +3113,7 @@
           <a:p>
             <a:fld id="{A08668CB-4C6D-4EA2-B143-2380C0553496}" type="datetimeFigureOut">
               <a:rPr lang="en-US" smtClean="0"/>
-              <a:t>2/17/2018</a:t>
+              <a:t>2/19/2018</a:t>
             </a:fld>
             <a:endParaRPr lang="en-US"/>
           </a:p>
@@ -3341,7 +3341,7 @@
           <a:p>
             <a:fld id="{A08668CB-4C6D-4EA2-B143-2380C0553496}" type="datetimeFigureOut">
               <a:rPr lang="en-US" smtClean="0"/>
-              <a:t>2/17/2018</a:t>
+              <a:t>2/19/2018</a:t>
             </a:fld>
             <a:endParaRPr lang="en-US"/>
           </a:p>
@@ -3627,7 +3627,7 @@
           <a:p>
             <a:fld id="{A08668CB-4C6D-4EA2-B143-2380C0553496}" type="datetimeFigureOut">
               <a:rPr lang="en-US" smtClean="0"/>
-              <a:t>2/17/2018</a:t>
+              <a:t>2/19/2018</a:t>
             </a:fld>
             <a:endParaRPr lang="en-US"/>
           </a:p>
@@ -3892,7 +3892,7 @@
           <a:p>
             <a:fld id="{A08668CB-4C6D-4EA2-B143-2380C0553496}" type="datetimeFigureOut">
               <a:rPr lang="en-US" smtClean="0"/>
-              <a:t>2/17/2018</a:t>
+              <a:t>2/19/2018</a:t>
             </a:fld>
             <a:endParaRPr lang="en-US"/>
           </a:p>
@@ -4266,7 +4266,7 @@
           <a:p>
             <a:fld id="{A08668CB-4C6D-4EA2-B143-2380C0553496}" type="datetimeFigureOut">
               <a:rPr lang="en-US" smtClean="0"/>
-              <a:t>2/17/2018</a:t>
+              <a:t>2/19/2018</a:t>
             </a:fld>
             <a:endParaRPr lang="en-US"/>
           </a:p>
@@ -4414,7 +4414,7 @@
           <a:p>
             <a:fld id="{A08668CB-4C6D-4EA2-B143-2380C0553496}" type="datetimeFigureOut">
               <a:rPr lang="en-US" smtClean="0"/>
-              <a:t>2/17/2018</a:t>
+              <a:t>2/19/2018</a:t>
             </a:fld>
             <a:endParaRPr lang="en-US"/>
           </a:p>
@@ -4539,7 +4539,7 @@
           <a:p>
             <a:fld id="{A08668CB-4C6D-4EA2-B143-2380C0553496}" type="datetimeFigureOut">
               <a:rPr lang="en-US" smtClean="0"/>
-              <a:t>2/17/2018</a:t>
+              <a:t>2/19/2018</a:t>
             </a:fld>
             <a:endParaRPr lang="en-US"/>
           </a:p>
@@ -4824,7 +4824,7 @@
           <a:p>
             <a:fld id="{A08668CB-4C6D-4EA2-B143-2380C0553496}" type="datetimeFigureOut">
               <a:rPr lang="en-US" smtClean="0"/>
-              <a:t>2/17/2018</a:t>
+              <a:t>2/19/2018</a:t>
             </a:fld>
             <a:endParaRPr lang="en-US"/>
           </a:p>
@@ -5148,7 +5148,7 @@
           <a:p>
             <a:fld id="{A08668CB-4C6D-4EA2-B143-2380C0553496}" type="datetimeFigureOut">
               <a:rPr lang="en-US" smtClean="0"/>
-              <a:t>2/17/2018</a:t>
+              <a:t>2/19/2018</a:t>
             </a:fld>
             <a:endParaRPr lang="en-US"/>
           </a:p>
@@ -5362,7 +5362,7 @@
           <a:p>
             <a:fld id="{A08668CB-4C6D-4EA2-B143-2380C0553496}" type="datetimeFigureOut">
               <a:rPr lang="en-US" smtClean="0"/>
-              <a:t>2/17/2018</a:t>
+              <a:t>2/19/2018</a:t>
             </a:fld>
             <a:endParaRPr lang="en-US"/>
           </a:p>
@@ -6012,8 +6012,84 @@
           <a:p>
             <a:r>
               <a:rPr lang="en-US" dirty="0"/>
-              <a:t>Watch Live</a:t>
-            </a:r>
+              <a:t>Install gulp, gulp-sass</a:t>
+            </a:r>
+          </a:p>
+          <a:p>
+            <a:r>
+              <a:rPr lang="en-US" dirty="0"/>
+              <a:t>Create a task In gulp</a:t>
+            </a:r>
+          </a:p>
+          <a:p>
+            <a:r>
+              <a:rPr lang="en-US" dirty="0" err="1"/>
+              <a:t>Cutomization</a:t>
+            </a:r>
+            <a:r>
+              <a:rPr lang="en-US" dirty="0"/>
+              <a:t> can be done by creating customization using sass files </a:t>
+            </a:r>
+          </a:p>
+          <a:p>
+            <a:pPr lvl="1"/>
+            <a:r>
+              <a:rPr lang="en-US" dirty="0"/>
+              <a:t>Not recommended to edit the SASS files directly</a:t>
+            </a:r>
+          </a:p>
+          <a:p>
+            <a:r>
+              <a:rPr lang="en-US" dirty="0"/>
+              <a:t>Create a .</a:t>
+            </a:r>
+            <a:r>
+              <a:rPr lang="en-US" dirty="0" err="1"/>
+              <a:t>scss</a:t>
+            </a:r>
+            <a:r>
+              <a:rPr lang="en-US" dirty="0"/>
+              <a:t> file. Write new over-ride data for the variables</a:t>
+            </a:r>
+          </a:p>
+          <a:p>
+            <a:r>
+              <a:rPr lang="en-US" dirty="0"/>
+              <a:t>Compile it using gulp</a:t>
+            </a:r>
+          </a:p>
+          <a:p>
+            <a:pPr lvl="1"/>
+            <a:r>
+              <a:rPr lang="en-US" dirty="0"/>
+              <a:t>A .</a:t>
+            </a:r>
+            <a:r>
+              <a:rPr lang="en-US" dirty="0" err="1"/>
+              <a:t>css</a:t>
+            </a:r>
+            <a:r>
+              <a:rPr lang="en-US" dirty="0"/>
+              <a:t> file gets generated</a:t>
+            </a:r>
+          </a:p>
+          <a:p>
+            <a:r>
+              <a:rPr lang="en-US" dirty="0"/>
+              <a:t>Reference the .</a:t>
+            </a:r>
+            <a:r>
+              <a:rPr lang="en-US" dirty="0" err="1"/>
+              <a:t>css</a:t>
+            </a:r>
+            <a:r>
+              <a:rPr lang="en-US" dirty="0"/>
+              <a:t> file in your pages</a:t>
+            </a:r>
+          </a:p>
+          <a:p>
+            <a:pPr lvl="1"/>
+            <a:endParaRPr lang="en-US" dirty="0"/>
           </a:p>
         </p:txBody>
       </p:sp>
@@ -6451,10 +6527,9 @@
           </a:p>
           <a:p>
             <a:r>
-              <a:rPr lang="en-US"/>
+              <a:rPr lang="en-US" dirty="0"/>
               <a:t>Optimization</a:t>
             </a:r>
-            <a:endParaRPr lang="en-US" dirty="0"/>
           </a:p>
           <a:p>
             <a:r>
@@ -6668,7 +6743,9 @@
           </a:xfrm>
         </p:spPr>
         <p:txBody>
-          <a:bodyPr/>
+          <a:bodyPr>
+            <a:normAutofit lnSpcReduction="10000"/>
+          </a:bodyPr>
           <a:lstStyle/>
           <a:p>
             <a:pPr marL="0" indent="0">
@@ -6676,7 +6753,67 @@
             </a:pPr>
             <a:r>
               <a:rPr lang="en-US" dirty="0"/>
-              <a:t>Bootstrap is the most popular HTML, CSS, and JavaScript framework for developing responsive, mobile-first websites.</a:t>
+              <a:t>Bootstrap is the most popular HTML, CSS, and JavaScript framework for developing </a:t>
+            </a:r>
+            <a:r>
+              <a:rPr lang="en-US" dirty="0">
+                <a:solidFill>
+                  <a:srgbClr val="FFC000"/>
+                </a:solidFill>
+              </a:rPr>
+              <a:t>responsive, mobile-first websites.</a:t>
+            </a:r>
+          </a:p>
+          <a:p>
+            <a:pPr marL="0" indent="0">
+              <a:buNone/>
+            </a:pPr>
+            <a:endParaRPr lang="en-US" dirty="0"/>
+          </a:p>
+          <a:p>
+            <a:pPr marL="0" indent="0">
+              <a:buNone/>
+            </a:pPr>
+            <a:r>
+              <a:rPr lang="en-US" dirty="0"/>
+              <a:t>Bootstrap’s classes are designed for “screen-readers” too</a:t>
+            </a:r>
+          </a:p>
+          <a:p>
+            <a:pPr marL="0" indent="0">
+              <a:buNone/>
+            </a:pPr>
+            <a:r>
+              <a:rPr lang="en-US" dirty="0">
+                <a:solidFill>
+                  <a:srgbClr val="FFFF00"/>
+                </a:solidFill>
+              </a:rPr>
+              <a:t>Screen Readers</a:t>
+            </a:r>
+            <a:r>
+              <a:rPr lang="en-US" dirty="0"/>
+              <a:t> are software programs that allow </a:t>
+            </a:r>
+            <a:r>
+              <a:rPr lang="en-US" dirty="0">
+                <a:solidFill>
+                  <a:srgbClr val="FFC000"/>
+                </a:solidFill>
+              </a:rPr>
+              <a:t>blind or visually impaired users </a:t>
+            </a:r>
+            <a:r>
+              <a:rPr lang="en-US" dirty="0"/>
+              <a:t>to read the text that is displayed on the computer </a:t>
+            </a:r>
+            <a:r>
+              <a:rPr lang="en-US" b="1" dirty="0"/>
+              <a:t>screen</a:t>
+            </a:r>
+            <a:r>
+              <a:rPr lang="en-US" dirty="0"/>
+              <a:t> with a speech synthesizer or braille display. </a:t>
             </a:r>
           </a:p>
         </p:txBody>
